--- a/System UnTZI概要説明.pptx
+++ b/System UnTZI概要説明.pptx
@@ -254,7 +254,7 @@
           <a:p>
             <a:fld id="{C57289C9-7EA8-40C9-80D2-C668B80F4E78}" type="datetimeFigureOut">
               <a:rPr kumimoji="1" lang="ja-JP" altLang="en-US" smtClean="0"/>
-              <a:t>2024/3/2</a:t>
+              <a:t>2024/3/10</a:t>
             </a:fld>
             <a:endParaRPr kumimoji="1" lang="ja-JP" altLang="en-US"/>
           </a:p>
@@ -456,7 +456,7 @@
           <a:p>
             <a:fld id="{C57289C9-7EA8-40C9-80D2-C668B80F4E78}" type="datetimeFigureOut">
               <a:rPr kumimoji="1" lang="ja-JP" altLang="en-US" smtClean="0"/>
-              <a:t>2024/3/2</a:t>
+              <a:t>2024/3/10</a:t>
             </a:fld>
             <a:endParaRPr kumimoji="1" lang="ja-JP" altLang="en-US"/>
           </a:p>
@@ -668,7 +668,7 @@
           <a:p>
             <a:fld id="{C57289C9-7EA8-40C9-80D2-C668B80F4E78}" type="datetimeFigureOut">
               <a:rPr kumimoji="1" lang="ja-JP" altLang="en-US" smtClean="0"/>
-              <a:t>2024/3/2</a:t>
+              <a:t>2024/3/10</a:t>
             </a:fld>
             <a:endParaRPr kumimoji="1" lang="ja-JP" altLang="en-US"/>
           </a:p>
@@ -870,7 +870,7 @@
           <a:p>
             <a:fld id="{C57289C9-7EA8-40C9-80D2-C668B80F4E78}" type="datetimeFigureOut">
               <a:rPr kumimoji="1" lang="ja-JP" altLang="en-US" smtClean="0"/>
-              <a:t>2024/3/2</a:t>
+              <a:t>2024/3/10</a:t>
             </a:fld>
             <a:endParaRPr kumimoji="1" lang="ja-JP" altLang="en-US"/>
           </a:p>
@@ -1114,7 +1114,7 @@
           <a:p>
             <a:fld id="{C57289C9-7EA8-40C9-80D2-C668B80F4E78}" type="datetimeFigureOut">
               <a:rPr kumimoji="1" lang="ja-JP" altLang="en-US" smtClean="0"/>
-              <a:t>2024/3/2</a:t>
+              <a:t>2024/3/10</a:t>
             </a:fld>
             <a:endParaRPr kumimoji="1" lang="ja-JP" altLang="en-US"/>
           </a:p>
@@ -1410,7 +1410,7 @@
           <a:p>
             <a:fld id="{C57289C9-7EA8-40C9-80D2-C668B80F4E78}" type="datetimeFigureOut">
               <a:rPr kumimoji="1" lang="ja-JP" altLang="en-US" smtClean="0"/>
-              <a:t>2024/3/2</a:t>
+              <a:t>2024/3/10</a:t>
             </a:fld>
             <a:endParaRPr kumimoji="1" lang="ja-JP" altLang="en-US"/>
           </a:p>
@@ -1841,7 +1841,7 @@
           <a:p>
             <a:fld id="{C57289C9-7EA8-40C9-80D2-C668B80F4E78}" type="datetimeFigureOut">
               <a:rPr kumimoji="1" lang="ja-JP" altLang="en-US" smtClean="0"/>
-              <a:t>2024/3/2</a:t>
+              <a:t>2024/3/10</a:t>
             </a:fld>
             <a:endParaRPr kumimoji="1" lang="ja-JP" altLang="en-US"/>
           </a:p>
@@ -1959,7 +1959,7 @@
           <a:p>
             <a:fld id="{C57289C9-7EA8-40C9-80D2-C668B80F4E78}" type="datetimeFigureOut">
               <a:rPr kumimoji="1" lang="ja-JP" altLang="en-US" smtClean="0"/>
-              <a:t>2024/3/2</a:t>
+              <a:t>2024/3/10</a:t>
             </a:fld>
             <a:endParaRPr kumimoji="1" lang="ja-JP" altLang="en-US"/>
           </a:p>
@@ -2054,7 +2054,7 @@
           <a:p>
             <a:fld id="{C57289C9-7EA8-40C9-80D2-C668B80F4E78}" type="datetimeFigureOut">
               <a:rPr kumimoji="1" lang="ja-JP" altLang="en-US" smtClean="0"/>
-              <a:t>2024/3/2</a:t>
+              <a:t>2024/3/10</a:t>
             </a:fld>
             <a:endParaRPr kumimoji="1" lang="ja-JP" altLang="en-US"/>
           </a:p>
@@ -2363,7 +2363,7 @@
           <a:p>
             <a:fld id="{C57289C9-7EA8-40C9-80D2-C668B80F4E78}" type="datetimeFigureOut">
               <a:rPr kumimoji="1" lang="ja-JP" altLang="en-US" smtClean="0"/>
-              <a:t>2024/3/2</a:t>
+              <a:t>2024/3/10</a:t>
             </a:fld>
             <a:endParaRPr kumimoji="1" lang="ja-JP" altLang="en-US"/>
           </a:p>
@@ -2620,7 +2620,7 @@
           <a:p>
             <a:fld id="{C57289C9-7EA8-40C9-80D2-C668B80F4E78}" type="datetimeFigureOut">
               <a:rPr kumimoji="1" lang="ja-JP" altLang="en-US" smtClean="0"/>
-              <a:t>2024/3/2</a:t>
+              <a:t>2024/3/10</a:t>
             </a:fld>
             <a:endParaRPr kumimoji="1" lang="ja-JP" altLang="en-US"/>
           </a:p>
@@ -2865,7 +2865,7 @@
           <a:p>
             <a:fld id="{C57289C9-7EA8-40C9-80D2-C668B80F4E78}" type="datetimeFigureOut">
               <a:rPr kumimoji="1" lang="ja-JP" altLang="en-US" smtClean="0"/>
-              <a:t>2024/3/2</a:t>
+              <a:t>2024/3/10</a:t>
             </a:fld>
             <a:endParaRPr kumimoji="1" lang="ja-JP" altLang="en-US"/>
           </a:p>
@@ -5061,53 +5061,19 @@
           <a:chExt cx="0" cy="0"/>
         </a:xfrm>
       </p:grpSpPr>
-      <p:sp>
-        <p:nvSpPr>
-          <p:cNvPr id="2" name="タイトル 1">
+      <p:pic>
+        <p:nvPicPr>
+          <p:cNvPr id="4" name="図 3">
             <a:extLst>
               <a:ext uri="{FF2B5EF4-FFF2-40B4-BE49-F238E27FC236}">
-                <a16:creationId xmlns:a16="http://schemas.microsoft.com/office/drawing/2014/main" id="{EE2BD8A4-0186-1062-370B-05EEC466D139}"/>
-              </a:ext>
-            </a:extLst>
-          </p:cNvPr>
-          <p:cNvSpPr>
-            <a:spLocks noGrp="1"/>
-          </p:cNvSpPr>
-          <p:nvPr>
-            <p:ph type="title"/>
-          </p:nvPr>
-        </p:nvSpPr>
-        <p:spPr/>
-        <p:txBody>
-          <a:bodyPr/>
-          <a:lstStyle/>
-          <a:p>
-            <a:r>
-              <a:rPr kumimoji="1" lang="en-US" altLang="ja-JP" dirty="0" err="1"/>
-              <a:t>UnTZI</a:t>
-            </a:r>
-            <a:r>
-              <a:rPr kumimoji="1" lang="ja-JP" altLang="en-US" dirty="0"/>
-              <a:t>の概要</a:t>
-            </a:r>
-          </a:p>
-        </p:txBody>
-      </p:sp>
-      <p:pic>
-        <p:nvPicPr>
-          <p:cNvPr id="5" name="コンテンツ プレースホルダー 4">
-            <a:extLst>
-              <a:ext uri="{FF2B5EF4-FFF2-40B4-BE49-F238E27FC236}">
-                <a16:creationId xmlns:a16="http://schemas.microsoft.com/office/drawing/2014/main" id="{4A13915F-FBA4-AE56-415D-DB24AC27D622}"/>
+                <a16:creationId xmlns:a16="http://schemas.microsoft.com/office/drawing/2014/main" id="{B4E2022F-0C06-C2C7-EC87-A30A89AC382E}"/>
               </a:ext>
             </a:extLst>
           </p:cNvPr>
           <p:cNvPicPr>
-            <a:picLocks noGrp="1" noChangeAspect="1"/>
+            <a:picLocks noChangeAspect="1"/>
           </p:cNvPicPr>
-          <p:nvPr>
-            <p:ph idx="1"/>
-          </p:nvPr>
+          <p:nvPr/>
         </p:nvPicPr>
         <p:blipFill rotWithShape="1">
           <a:blip r:embed="rId2">
@@ -5117,16 +5083,51 @@
               </a:ext>
             </a:extLst>
           </a:blip>
-          <a:srcRect l="3623" r="5295"/>
+          <a:srcRect l="3557"/>
           <a:stretch/>
         </p:blipFill>
         <p:spPr>
           <a:xfrm>
-            <a:off x="681037" y="1690690"/>
-            <a:ext cx="7781925" cy="3844766"/>
+            <a:off x="261937" y="1276349"/>
+            <a:ext cx="9553575" cy="4457700"/>
           </a:xfrm>
+          <a:prstGeom prst="rect">
+            <a:avLst/>
+          </a:prstGeom>
         </p:spPr>
       </p:pic>
+      <p:sp>
+        <p:nvSpPr>
+          <p:cNvPr id="2" name="タイトル 1">
+            <a:extLst>
+              <a:ext uri="{FF2B5EF4-FFF2-40B4-BE49-F238E27FC236}">
+                <a16:creationId xmlns:a16="http://schemas.microsoft.com/office/drawing/2014/main" id="{EE2BD8A4-0186-1062-370B-05EEC466D139}"/>
+              </a:ext>
+            </a:extLst>
+          </p:cNvPr>
+          <p:cNvSpPr>
+            <a:spLocks noGrp="1"/>
+          </p:cNvSpPr>
+          <p:nvPr>
+            <p:ph type="title"/>
+          </p:nvPr>
+        </p:nvSpPr>
+        <p:spPr/>
+        <p:txBody>
+          <a:bodyPr/>
+          <a:lstStyle/>
+          <a:p>
+            <a:r>
+              <a:rPr kumimoji="1" lang="en-US" altLang="ja-JP" dirty="0" err="1"/>
+              <a:t>UnTZI</a:t>
+            </a:r>
+            <a:r>
+              <a:rPr kumimoji="1" lang="ja-JP" altLang="en-US" dirty="0"/>
+              <a:t>の概要</a:t>
+            </a:r>
+          </a:p>
+        </p:txBody>
+      </p:sp>
       <p:sp>
         <p:nvSpPr>
           <p:cNvPr id="8" name="正方形/長方形 7">
@@ -5204,44 +5205,12 @@
           <a:chExt cx="0" cy="0"/>
         </a:xfrm>
       </p:grpSpPr>
-      <p:sp>
-        <p:nvSpPr>
-          <p:cNvPr id="2" name="タイトル 1">
+      <p:pic>
+        <p:nvPicPr>
+          <p:cNvPr id="8" name="コンテンツ プレースホルダー 7">
             <a:extLst>
               <a:ext uri="{FF2B5EF4-FFF2-40B4-BE49-F238E27FC236}">
-                <a16:creationId xmlns:a16="http://schemas.microsoft.com/office/drawing/2014/main" id="{DCA4AD75-6EE2-DD74-A2C8-6D1FFB67106B}"/>
-              </a:ext>
-            </a:extLst>
-          </p:cNvPr>
-          <p:cNvSpPr>
-            <a:spLocks noGrp="1"/>
-          </p:cNvSpPr>
-          <p:nvPr>
-            <p:ph type="title"/>
-          </p:nvPr>
-        </p:nvSpPr>
-        <p:spPr/>
-        <p:txBody>
-          <a:bodyPr/>
-          <a:lstStyle/>
-          <a:p>
-            <a:r>
-              <a:rPr kumimoji="1" lang="en-US" altLang="ja-JP" dirty="0" err="1"/>
-              <a:t>UnTZI</a:t>
-            </a:r>
-            <a:r>
-              <a:rPr kumimoji="1" lang="ja-JP" altLang="en-US" dirty="0"/>
-              <a:t>の概要</a:t>
-            </a:r>
-          </a:p>
-        </p:txBody>
-      </p:sp>
-      <p:pic>
-        <p:nvPicPr>
-          <p:cNvPr id="5" name="コンテンツ プレースホルダー 4">
-            <a:extLst>
-              <a:ext uri="{FF2B5EF4-FFF2-40B4-BE49-F238E27FC236}">
-                <a16:creationId xmlns:a16="http://schemas.microsoft.com/office/drawing/2014/main" id="{25FAFDDE-5079-8215-ED5C-D9D8346DC617}"/>
+                <a16:creationId xmlns:a16="http://schemas.microsoft.com/office/drawing/2014/main" id="{23A177EA-1D11-5DB4-506E-2929BFE2003D}"/>
               </a:ext>
             </a:extLst>
           </p:cNvPr>
@@ -5260,16 +5229,48 @@
               </a:ext>
             </a:extLst>
           </a:blip>
-          <a:srcRect l="3512" r="5519"/>
+          <a:srcRect l="3512"/>
           <a:stretch/>
         </p:blipFill>
         <p:spPr>
           <a:xfrm>
-            <a:off x="990600" y="1690690"/>
-            <a:ext cx="7772400" cy="3844766"/>
+            <a:off x="981075" y="1889283"/>
+            <a:ext cx="8243888" cy="3844766"/>
           </a:xfrm>
         </p:spPr>
       </p:pic>
+      <p:sp>
+        <p:nvSpPr>
+          <p:cNvPr id="2" name="タイトル 1">
+            <a:extLst>
+              <a:ext uri="{FF2B5EF4-FFF2-40B4-BE49-F238E27FC236}">
+                <a16:creationId xmlns:a16="http://schemas.microsoft.com/office/drawing/2014/main" id="{DCA4AD75-6EE2-DD74-A2C8-6D1FFB67106B}"/>
+              </a:ext>
+            </a:extLst>
+          </p:cNvPr>
+          <p:cNvSpPr>
+            <a:spLocks noGrp="1"/>
+          </p:cNvSpPr>
+          <p:nvPr>
+            <p:ph type="title"/>
+          </p:nvPr>
+        </p:nvSpPr>
+        <p:spPr/>
+        <p:txBody>
+          <a:bodyPr/>
+          <a:lstStyle/>
+          <a:p>
+            <a:r>
+              <a:rPr kumimoji="1" lang="en-US" altLang="ja-JP" dirty="0" err="1"/>
+              <a:t>UnTZI</a:t>
+            </a:r>
+            <a:r>
+              <a:rPr kumimoji="1" lang="ja-JP" altLang="en-US" dirty="0"/>
+              <a:t>の概要</a:t>
+            </a:r>
+          </a:p>
+        </p:txBody>
+      </p:sp>
       <p:sp>
         <p:nvSpPr>
           <p:cNvPr id="6" name="正方形/長方形 5">

--- a/System UnTZI概要説明.pptx
+++ b/System UnTZI概要説明.pptx
@@ -254,7 +254,7 @@
           <a:p>
             <a:fld id="{C57289C9-7EA8-40C9-80D2-C668B80F4E78}" type="datetimeFigureOut">
               <a:rPr kumimoji="1" lang="ja-JP" altLang="en-US" smtClean="0"/>
-              <a:t>2024/3/10</a:t>
+              <a:t>2024/3/11</a:t>
             </a:fld>
             <a:endParaRPr kumimoji="1" lang="ja-JP" altLang="en-US"/>
           </a:p>
@@ -456,7 +456,7 @@
           <a:p>
             <a:fld id="{C57289C9-7EA8-40C9-80D2-C668B80F4E78}" type="datetimeFigureOut">
               <a:rPr kumimoji="1" lang="ja-JP" altLang="en-US" smtClean="0"/>
-              <a:t>2024/3/10</a:t>
+              <a:t>2024/3/11</a:t>
             </a:fld>
             <a:endParaRPr kumimoji="1" lang="ja-JP" altLang="en-US"/>
           </a:p>
@@ -668,7 +668,7 @@
           <a:p>
             <a:fld id="{C57289C9-7EA8-40C9-80D2-C668B80F4E78}" type="datetimeFigureOut">
               <a:rPr kumimoji="1" lang="ja-JP" altLang="en-US" smtClean="0"/>
-              <a:t>2024/3/10</a:t>
+              <a:t>2024/3/11</a:t>
             </a:fld>
             <a:endParaRPr kumimoji="1" lang="ja-JP" altLang="en-US"/>
           </a:p>
@@ -870,7 +870,7 @@
           <a:p>
             <a:fld id="{C57289C9-7EA8-40C9-80D2-C668B80F4E78}" type="datetimeFigureOut">
               <a:rPr kumimoji="1" lang="ja-JP" altLang="en-US" smtClean="0"/>
-              <a:t>2024/3/10</a:t>
+              <a:t>2024/3/11</a:t>
             </a:fld>
             <a:endParaRPr kumimoji="1" lang="ja-JP" altLang="en-US"/>
           </a:p>
@@ -1114,7 +1114,7 @@
           <a:p>
             <a:fld id="{C57289C9-7EA8-40C9-80D2-C668B80F4E78}" type="datetimeFigureOut">
               <a:rPr kumimoji="1" lang="ja-JP" altLang="en-US" smtClean="0"/>
-              <a:t>2024/3/10</a:t>
+              <a:t>2024/3/11</a:t>
             </a:fld>
             <a:endParaRPr kumimoji="1" lang="ja-JP" altLang="en-US"/>
           </a:p>
@@ -1410,7 +1410,7 @@
           <a:p>
             <a:fld id="{C57289C9-7EA8-40C9-80D2-C668B80F4E78}" type="datetimeFigureOut">
               <a:rPr kumimoji="1" lang="ja-JP" altLang="en-US" smtClean="0"/>
-              <a:t>2024/3/10</a:t>
+              <a:t>2024/3/11</a:t>
             </a:fld>
             <a:endParaRPr kumimoji="1" lang="ja-JP" altLang="en-US"/>
           </a:p>
@@ -1841,7 +1841,7 @@
           <a:p>
             <a:fld id="{C57289C9-7EA8-40C9-80D2-C668B80F4E78}" type="datetimeFigureOut">
               <a:rPr kumimoji="1" lang="ja-JP" altLang="en-US" smtClean="0"/>
-              <a:t>2024/3/10</a:t>
+              <a:t>2024/3/11</a:t>
             </a:fld>
             <a:endParaRPr kumimoji="1" lang="ja-JP" altLang="en-US"/>
           </a:p>
@@ -1959,7 +1959,7 @@
           <a:p>
             <a:fld id="{C57289C9-7EA8-40C9-80D2-C668B80F4E78}" type="datetimeFigureOut">
               <a:rPr kumimoji="1" lang="ja-JP" altLang="en-US" smtClean="0"/>
-              <a:t>2024/3/10</a:t>
+              <a:t>2024/3/11</a:t>
             </a:fld>
             <a:endParaRPr kumimoji="1" lang="ja-JP" altLang="en-US"/>
           </a:p>
@@ -2054,7 +2054,7 @@
           <a:p>
             <a:fld id="{C57289C9-7EA8-40C9-80D2-C668B80F4E78}" type="datetimeFigureOut">
               <a:rPr kumimoji="1" lang="ja-JP" altLang="en-US" smtClean="0"/>
-              <a:t>2024/3/10</a:t>
+              <a:t>2024/3/11</a:t>
             </a:fld>
             <a:endParaRPr kumimoji="1" lang="ja-JP" altLang="en-US"/>
           </a:p>
@@ -2363,7 +2363,7 @@
           <a:p>
             <a:fld id="{C57289C9-7EA8-40C9-80D2-C668B80F4E78}" type="datetimeFigureOut">
               <a:rPr kumimoji="1" lang="ja-JP" altLang="en-US" smtClean="0"/>
-              <a:t>2024/3/10</a:t>
+              <a:t>2024/3/11</a:t>
             </a:fld>
             <a:endParaRPr kumimoji="1" lang="ja-JP" altLang="en-US"/>
           </a:p>
@@ -2620,7 +2620,7 @@
           <a:p>
             <a:fld id="{C57289C9-7EA8-40C9-80D2-C668B80F4E78}" type="datetimeFigureOut">
               <a:rPr kumimoji="1" lang="ja-JP" altLang="en-US" smtClean="0"/>
-              <a:t>2024/3/10</a:t>
+              <a:t>2024/3/11</a:t>
             </a:fld>
             <a:endParaRPr kumimoji="1" lang="ja-JP" altLang="en-US"/>
           </a:p>
@@ -2865,7 +2865,7 @@
           <a:p>
             <a:fld id="{C57289C9-7EA8-40C9-80D2-C668B80F4E78}" type="datetimeFigureOut">
               <a:rPr kumimoji="1" lang="ja-JP" altLang="en-US" smtClean="0"/>
-              <a:t>2024/3/10</a:t>
+              <a:t>2024/3/11</a:t>
             </a:fld>
             <a:endParaRPr kumimoji="1" lang="ja-JP" altLang="en-US"/>
           </a:p>
@@ -5063,10 +5063,10 @@
       </p:grpSpPr>
       <p:pic>
         <p:nvPicPr>
-          <p:cNvPr id="4" name="図 3">
+          <p:cNvPr id="5" name="図 4">
             <a:extLst>
               <a:ext uri="{FF2B5EF4-FFF2-40B4-BE49-F238E27FC236}">
-                <a16:creationId xmlns:a16="http://schemas.microsoft.com/office/drawing/2014/main" id="{B4E2022F-0C06-C2C7-EC87-A30A89AC382E}"/>
+                <a16:creationId xmlns:a16="http://schemas.microsoft.com/office/drawing/2014/main" id="{9E553E96-82C6-784F-26AE-F09F5068B3D0}"/>
               </a:ext>
             </a:extLst>
           </p:cNvPr>
@@ -5088,7 +5088,7 @@
         </p:blipFill>
         <p:spPr>
           <a:xfrm>
-            <a:off x="261937" y="1276349"/>
+            <a:off x="261937" y="1483520"/>
             <a:ext cx="9553575" cy="4457700"/>
           </a:xfrm>
           <a:prstGeom prst="rect">
